--- a/studyDocuments/devOpsAwsStudy/AWS Certified Developer/document/실습_유저권한및관리.pptx
+++ b/studyDocuments/devOpsAwsStudy/AWS Certified Developer/document/실습_유저권한및관리.pptx
@@ -108,6 +108,11 @@
       </a:defRPr>
     </a:lvl9pPr>
   </p:defaultTextStyle>
+  <p:extLst>
+    <p:ext uri="{EFAFB233-063F-42B5-8137-9DF3F51BA10A}">
+      <p15:sldGuideLst xmlns:p15="http://schemas.microsoft.com/office/powerpoint/2012/main"/>
+    </p:ext>
+  </p:extLst>
 </p:presentation>
 </file>
 
@@ -193,7 +198,7 @@
           <a:p>
             <a:fld id="{41DA9B50-3B1A-435D-A55E-29227DB7890B}" type="datetimeFigureOut">
               <a:rPr lang="ko-KR" altLang="en-US" smtClean="0"/>
-              <a:t>2022-04-12</a:t>
+              <a:t>2022-04-13</a:t>
             </a:fld>
             <a:endParaRPr lang="ko-KR" altLang="en-US"/>
           </a:p>
@@ -515,6 +520,10 @@
             <a:br>
               <a:rPr lang="en-US" altLang="ko-KR" dirty="0"/>
             </a:br>
+            <a:r>
+              <a:rPr lang="en-US" altLang="ko-KR"/>
+              <a:t>922030540057</a:t>
+            </a:r>
             <a:endParaRPr lang="ko-KR" altLang="en-US" dirty="0"/>
           </a:p>
         </p:txBody>
@@ -698,7 +707,7 @@
           <a:p>
             <a:fld id="{1D8BD707-D9CF-40AE-B4C6-C98DA3205C09}" type="datetimeFigureOut">
               <a:rPr lang="en-US"/>
-              <a:t>4/12/2022</a:t>
+              <a:t>4/13/2022</a:t>
             </a:fld>
             <a:endParaRPr lang="en-US"/>
           </a:p>
@@ -880,7 +889,7 @@
           <a:p>
             <a:fld id="{1D8BD707-D9CF-40AE-B4C6-C98DA3205C09}" type="datetimeFigureOut">
               <a:rPr lang="en-US"/>
-              <a:t>4/12/2022</a:t>
+              <a:t>4/13/2022</a:t>
             </a:fld>
             <a:endParaRPr lang="en-US"/>
           </a:p>
@@ -1111,7 +1120,7 @@
           <a:p>
             <a:fld id="{1D8BD707-D9CF-40AE-B4C6-C98DA3205C09}" type="datetimeFigureOut">
               <a:rPr lang="en-US"/>
-              <a:t>4/12/2022</a:t>
+              <a:t>4/13/2022</a:t>
             </a:fld>
             <a:endParaRPr lang="en-US"/>
           </a:p>
@@ -1264,7 +1273,7 @@
           <a:p>
             <a:fld id="{1D8BD707-D9CF-40AE-B4C6-C98DA3205C09}" type="datetimeFigureOut">
               <a:rPr lang="en-US"/>
-              <a:t>4/12/2022</a:t>
+              <a:t>4/13/2022</a:t>
             </a:fld>
             <a:endParaRPr lang="en-US"/>
           </a:p>
@@ -1388,7 +1397,7 @@
           <a:p>
             <a:fld id="{1D8BD707-D9CF-40AE-B4C6-C98DA3205C09}" type="datetimeFigureOut">
               <a:rPr lang="en-US"/>
-              <a:t>4/12/2022</a:t>
+              <a:t>4/13/2022</a:t>
             </a:fld>
             <a:endParaRPr lang="en-US"/>
           </a:p>
@@ -1712,7 +1721,7 @@
           <a:p>
             <a:fld id="{1D8BD707-D9CF-40AE-B4C6-C98DA3205C09}" type="datetimeFigureOut">
               <a:rPr lang="en-US"/>
-              <a:t>4/12/2022</a:t>
+              <a:t>4/13/2022</a:t>
             </a:fld>
             <a:endParaRPr lang="en-US"/>
           </a:p>
@@ -2823,6 +2832,23 @@
               </a:rPr>
               <a:t>-&gt;</a:t>
             </a:r>
+            <a:r>
+              <a:rPr lang="ko-KR" altLang="en-US" sz="3525" spc="-104" baseline="1182" dirty="0" err="1">
+                <a:solidFill>
+                  <a:srgbClr val="444949"/>
+                </a:solidFill>
+                <a:latin typeface="Microsoft Sans Serif"/>
+                <a:cs typeface="Microsoft Sans Serif"/>
+              </a:rPr>
+              <a:t>그룹만들기</a:t>
+            </a:r>
+            <a:endParaRPr lang="en-US" altLang="ko-KR" sz="3525" spc="-104" baseline="1182" dirty="0">
+              <a:solidFill>
+                <a:srgbClr val="444949"/>
+              </a:solidFill>
+              <a:latin typeface="Microsoft Sans Serif"/>
+              <a:cs typeface="Microsoft Sans Serif"/>
+            </a:endParaRPr>
           </a:p>
           <a:p>
             <a:pPr marL="241300" indent="-228600">
